--- a/翻转课堂PPT/PRD2018-G07-第五周翻转课堂PPT.pptx
+++ b/翻转课堂PPT/PRD2018-G07-第五周翻转课堂PPT.pptx
@@ -38520,7 +38520,7 @@
         <p:spPr bwMode="auto">
           <a:xfrm>
             <a:off x="765027" y="1541658"/>
-            <a:ext cx="10345886" cy="2723823"/>
+            <a:ext cx="10345886" cy="3970318"/>
           </a:xfrm>
           <a:prstGeom prst="rect">
             <a:avLst/>
@@ -38690,17 +38690,28 @@
               </a:lnSpc>
             </a:pPr>
             <a:r>
-              <a:rPr lang="en-US" altLang="zh-CN" dirty="0" smtClean="0">
+              <a:rPr lang="en-US" altLang="zh-CN" dirty="0">
                 <a:latin typeface="微软雅黑" pitchFamily="34" charset="-122"/>
                 <a:ea typeface="微软雅黑" pitchFamily="34" charset="-122"/>
                 <a:hlinkClick r:id="rId3"/>
               </a:rPr>
-              <a:t>https://blog.csdn.net/zang141588761 /article/details/52275820. 2016.08.22/2018.10.21</a:t>
-            </a:r>
-            <a:endParaRPr lang="en-US" altLang="zh-CN" dirty="0" smtClean="0">
-              <a:latin typeface="微软雅黑" pitchFamily="34" charset="-122"/>
-              <a:ea typeface="微软雅黑" pitchFamily="34" charset="-122"/>
-            </a:endParaRPr>
+              <a:t>https://blog.csdn.net/zang141588761/article/details/52275820. </a:t>
+            </a:r>
+            <a:r>
+              <a:rPr lang="en-US" altLang="zh-CN" dirty="0">
+                <a:latin typeface="微软雅黑" pitchFamily="34" charset="-122"/>
+                <a:ea typeface="微软雅黑" pitchFamily="34" charset="-122"/>
+                <a:hlinkClick r:id="rId3"/>
+              </a:rPr>
+              <a:t>2016-08-22-12:42:53/2018-10-21</a:t>
+            </a:r>
+            <a:r>
+              <a:rPr lang="en-US" altLang="zh-CN" dirty="0">
+                <a:latin typeface="微软雅黑" pitchFamily="34" charset="-122"/>
+                <a:ea typeface="微软雅黑" pitchFamily="34" charset="-122"/>
+              </a:rPr>
+              <a:t>-17:00</a:t>
+            </a:r>
           </a:p>
           <a:p>
             <a:pPr eaLnBrk="1" hangingPunct="1">
@@ -38769,40 +38780,45 @@
               </a:lnSpc>
             </a:pPr>
             <a:r>
+              <a:rPr lang="en-US" altLang="zh-CN" dirty="0">
+                <a:latin typeface="微软雅黑" pitchFamily="34" charset="-122"/>
+                <a:ea typeface="微软雅黑" pitchFamily="34" charset="-122"/>
+              </a:rPr>
+              <a:t>https://blog.csdn.net/huangxinfeng/article/details/81178158. </a:t>
+            </a:r>
+            <a:r>
               <a:rPr lang="en-US" altLang="zh-CN" dirty="0" smtClean="0">
                 <a:latin typeface="微软雅黑" pitchFamily="34" charset="-122"/>
                 <a:ea typeface="微软雅黑" pitchFamily="34" charset="-122"/>
               </a:rPr>
-              <a:t>https</a:t>
-            </a:r>
-            <a:r>
-              <a:rPr lang="en-US" altLang="zh-CN" dirty="0">
-                <a:latin typeface="微软雅黑" pitchFamily="34" charset="-122"/>
-                <a:ea typeface="微软雅黑" pitchFamily="34" charset="-122"/>
-              </a:rPr>
-              <a:t>://blog.cs dn.net/</a:t>
-            </a:r>
-            <a:r>
-              <a:rPr lang="en-US" altLang="zh-CN" dirty="0" err="1">
-                <a:latin typeface="微软雅黑" pitchFamily="34" charset="-122"/>
-                <a:ea typeface="微软雅黑" pitchFamily="34" charset="-122"/>
-              </a:rPr>
-              <a:t>huangxinfeng</a:t>
-            </a:r>
-            <a:r>
-              <a:rPr lang="en-US" altLang="zh-CN" dirty="0">
-                <a:latin typeface="微软雅黑" pitchFamily="34" charset="-122"/>
-                <a:ea typeface="微软雅黑" pitchFamily="34" charset="-122"/>
-              </a:rPr>
-              <a:t>/article/details/81178158. </a:t>
+              <a:t>2018-07-24</a:t>
+            </a:r>
+            <a:r>
+              <a:rPr lang="en-US" altLang="zh-CN" dirty="0" smtClean="0"/>
+              <a:t>-</a:t>
+            </a:r>
+            <a:r>
+              <a:rPr lang="en-US" altLang="zh-CN" dirty="0" smtClean="0"/>
+              <a:t>09:04:07 </a:t>
             </a:r>
             <a:r>
               <a:rPr lang="en-US" altLang="zh-CN" dirty="0" smtClean="0">
                 <a:latin typeface="微软雅黑" pitchFamily="34" charset="-122"/>
                 <a:ea typeface="微软雅黑" pitchFamily="34" charset="-122"/>
               </a:rPr>
-              <a:t>2018.07.24/2018.10.21</a:t>
-            </a:r>
+              <a:t>/2018-10-21-17</a:t>
+            </a:r>
+            <a:r>
+              <a:rPr lang="en-US" altLang="zh-CN" dirty="0" smtClean="0">
+                <a:latin typeface="微软雅黑" pitchFamily="34" charset="-122"/>
+                <a:ea typeface="微软雅黑" pitchFamily="34" charset="-122"/>
+              </a:rPr>
+              <a:t>:00</a:t>
+            </a:r>
+            <a:endParaRPr lang="en-US" altLang="zh-CN" dirty="0" smtClean="0">
+              <a:latin typeface="微软雅黑" pitchFamily="34" charset="-122"/>
+              <a:ea typeface="微软雅黑" pitchFamily="34" charset="-122"/>
+            </a:endParaRPr>
           </a:p>
           <a:p>
             <a:pPr eaLnBrk="1" hangingPunct="1">
@@ -38913,7 +38929,29 @@
                 <a:latin typeface="微软雅黑" pitchFamily="34" charset="-122"/>
                 <a:ea typeface="微软雅黑" pitchFamily="34" charset="-122"/>
               </a:rPr>
-              <a:t>2012.09.09/2018.10.21</a:t>
+              <a:t>2012-09-09-</a:t>
+            </a:r>
+            <a:r>
+              <a:rPr lang="zh-CN" altLang="en-US" dirty="0"/>
+              <a:t> </a:t>
+            </a:r>
+            <a:r>
+              <a:rPr lang="en-US" altLang="zh-CN" dirty="0"/>
+              <a:t>00:25:11 </a:t>
+            </a:r>
+            <a:r>
+              <a:rPr lang="en-US" altLang="zh-CN" smtClean="0">
+                <a:latin typeface="微软雅黑" pitchFamily="34" charset="-122"/>
+                <a:ea typeface="微软雅黑" pitchFamily="34" charset="-122"/>
+              </a:rPr>
+              <a:t>/2018-10-21-17</a:t>
+            </a:r>
+            <a:r>
+              <a:rPr lang="en-US" altLang="zh-CN" smtClean="0">
+                <a:latin typeface="微软雅黑" pitchFamily="34" charset="-122"/>
+                <a:ea typeface="微软雅黑" pitchFamily="34" charset="-122"/>
+              </a:rPr>
+              <a:t>:00</a:t>
             </a:r>
             <a:endParaRPr lang="en-US" altLang="zh-CN" dirty="0">
               <a:latin typeface="微软雅黑" pitchFamily="34" charset="-122"/>
@@ -45641,7 +45679,7 @@
   <a:extraClrSchemeLst/>
   <a:extLst>
     <a:ext uri="{05A4C25C-085E-4340-85A3-A5531E510DB2}">
-      <thm15:themeFamily xmlns="" xmlns:thm15="http://schemas.microsoft.com/office/thememl/2012/main" name="Office Theme" id="{62F939B6-93AF-4DB8-9C6B-D6C7DFDC589F}" vid="{4A3C46E8-61CC-4603-A589-7422A47A8E4A}"/>
+      <thm15:themeFamily xmlns:thm15="http://schemas.microsoft.com/office/thememl/2012/main" xmlns="" name="Office Theme" id="{62F939B6-93AF-4DB8-9C6B-D6C7DFDC589F}" vid="{4A3C46E8-61CC-4603-A589-7422A47A8E4A}"/>
     </a:ext>
   </a:extLst>
 </a:theme>
@@ -45902,7 +45940,7 @@
   <a:extraClrSchemeLst/>
   <a:extLst>
     <a:ext uri="{05A4C25C-085E-4340-85A3-A5531E510DB2}">
-      <thm15:themeFamily xmlns="" xmlns:thm15="http://schemas.microsoft.com/office/thememl/2012/main" name="Office Theme" id="{62F939B6-93AF-4DB8-9C6B-D6C7DFDC589F}" vid="{4A3C46E8-61CC-4603-A589-7422A47A8E4A}"/>
+      <thm15:themeFamily xmlns:thm15="http://schemas.microsoft.com/office/thememl/2012/main" xmlns="" name="Office Theme" id="{62F939B6-93AF-4DB8-9C6B-D6C7DFDC589F}" vid="{4A3C46E8-61CC-4603-A589-7422A47A8E4A}"/>
     </a:ext>
   </a:extLst>
 </a:theme>
@@ -46163,7 +46201,7 @@
   <a:extraClrSchemeLst/>
   <a:extLst>
     <a:ext uri="{05A4C25C-085E-4340-85A3-A5531E510DB2}">
-      <thm15:themeFamily xmlns="" xmlns:thm15="http://schemas.microsoft.com/office/thememl/2012/main" name="Office Theme" id="{62F939B6-93AF-4DB8-9C6B-D6C7DFDC589F}" vid="{4A3C46E8-61CC-4603-A589-7422A47A8E4A}"/>
+      <thm15:themeFamily xmlns:thm15="http://schemas.microsoft.com/office/thememl/2012/main" xmlns="" name="Office Theme" id="{62F939B6-93AF-4DB8-9C6B-D6C7DFDC589F}" vid="{4A3C46E8-61CC-4603-A589-7422A47A8E4A}"/>
     </a:ext>
   </a:extLst>
 </a:theme>
